--- a/Presentation/Eventopia.pptx
+++ b/Presentation/Eventopia.pptx
@@ -7,6 +7,7 @@
   <p:sldIdLst>
     <p:sldId id="256" r:id="rId2"/>
     <p:sldId id="257" r:id="rId3"/>
+    <p:sldId id="258" r:id="rId4"/>
   </p:sldIdLst>
   <p:sldSz cx="12192000" cy="6858000"/>
   <p:notesSz cx="6858000" cy="9144000"/>
@@ -3396,20 +3397,14 @@
           <a:lstStyle/>
           <a:p>
             <a:r>
-              <a:rPr lang="de-DE" sz="7200" b="1" dirty="0" err="1">
+              <a:rPr lang="de-DE" sz="6600" b="1" spc="600" dirty="0">
                 <a:solidFill>
                   <a:schemeClr val="bg1"/>
                 </a:solidFill>
                 <a:latin typeface="Agency FB" panose="020B0503020202020204" pitchFamily="34" charset="0"/>
               </a:rPr>
-              <a:t>Eventopia</a:t>
-            </a:r>
-            <a:endParaRPr lang="de-DE" sz="7200" b="1" dirty="0">
-              <a:solidFill>
-                <a:schemeClr val="bg1"/>
-              </a:solidFill>
-              <a:latin typeface="Agency FB" panose="020B0503020202020204" pitchFamily="34" charset="0"/>
-            </a:endParaRPr>
+              <a:t>EVENTOPIA</a:t>
+            </a:r>
           </a:p>
         </p:txBody>
       </p:sp>
@@ -3445,7 +3440,7 @@
           </a:p>
           <a:p>
             <a:r>
-              <a:rPr lang="de-DE" sz="4000" b="1" dirty="0">
+              <a:rPr lang="de-DE" sz="4000" b="1" spc="300" dirty="0">
                 <a:solidFill>
                   <a:schemeClr val="bg1"/>
                 </a:solidFill>
@@ -4007,6 +4002,137 @@
     <p:extLst>
       <p:ext uri="{BB962C8B-B14F-4D97-AF65-F5344CB8AC3E}">
         <p14:creationId xmlns:p14="http://schemas.microsoft.com/office/powerpoint/2010/main" val="950945517"/>
+      </p:ext>
+    </p:extLst>
+  </p:cSld>
+  <p:clrMapOvr>
+    <a:masterClrMapping/>
+  </p:clrMapOvr>
+</p:sld>
+</file>
+
+<file path=ppt/slides/slide3.xml><?xml version="1.0" encoding="utf-8"?>
+<p:sld xmlns:a="http://schemas.openxmlformats.org/drawingml/2006/main" xmlns:r="http://schemas.openxmlformats.org/officeDocument/2006/relationships" xmlns:p="http://schemas.openxmlformats.org/presentationml/2006/main">
+  <p:cSld>
+    <p:spTree>
+      <p:nvGrpSpPr>
+        <p:cNvPr id="1" name=""/>
+        <p:cNvGrpSpPr/>
+        <p:nvPr/>
+      </p:nvGrpSpPr>
+      <p:grpSpPr>
+        <a:xfrm>
+          <a:off x="0" y="0"/>
+          <a:ext cx="0" cy="0"/>
+          <a:chOff x="0" y="0"/>
+          <a:chExt cx="0" cy="0"/>
+        </a:xfrm>
+      </p:grpSpPr>
+      <p:sp>
+        <p:nvSpPr>
+          <p:cNvPr id="15" name="Ellipse 14">
+            <a:extLst>
+              <a:ext uri="{FF2B5EF4-FFF2-40B4-BE49-F238E27FC236}">
+                <a16:creationId xmlns:a16="http://schemas.microsoft.com/office/drawing/2014/main" id="{0F4B0575-3C54-DEF0-23C8-0176AD192009}"/>
+              </a:ext>
+            </a:extLst>
+          </p:cNvPr>
+          <p:cNvSpPr/>
+          <p:nvPr/>
+        </p:nvSpPr>
+        <p:spPr>
+          <a:xfrm>
+            <a:off x="11049738" y="450761"/>
+            <a:ext cx="318977" cy="308345"/>
+          </a:xfrm>
+          <a:prstGeom prst="ellipse">
+            <a:avLst/>
+          </a:prstGeom>
+          <a:solidFill>
+            <a:schemeClr val="tx1">
+              <a:lumMod val="85000"/>
+              <a:lumOff val="15000"/>
+            </a:schemeClr>
+          </a:solidFill>
+          <a:ln>
+            <a:noFill/>
+          </a:ln>
+        </p:spPr>
+        <p:style>
+          <a:lnRef idx="2">
+            <a:schemeClr val="accent1">
+              <a:shade val="15000"/>
+            </a:schemeClr>
+          </a:lnRef>
+          <a:fillRef idx="1">
+            <a:schemeClr val="accent1"/>
+          </a:fillRef>
+          <a:effectRef idx="0">
+            <a:schemeClr val="accent1"/>
+          </a:effectRef>
+          <a:fontRef idx="minor">
+            <a:schemeClr val="lt1"/>
+          </a:fontRef>
+        </p:style>
+        <p:txBody>
+          <a:bodyPr rtlCol="0" anchor="ctr"/>
+          <a:lstStyle/>
+          <a:p>
+            <a:pPr algn="ctr"/>
+            <a:r>
+              <a:rPr lang="de-DE" sz="1600" dirty="0"/>
+              <a:t>2</a:t>
+            </a:r>
+          </a:p>
+        </p:txBody>
+      </p:sp>
+      <p:sp>
+        <p:nvSpPr>
+          <p:cNvPr id="2" name="Textfeld 1">
+            <a:extLst>
+              <a:ext uri="{FF2B5EF4-FFF2-40B4-BE49-F238E27FC236}">
+                <a16:creationId xmlns:a16="http://schemas.microsoft.com/office/drawing/2014/main" id="{ED284E13-34C3-C091-06AC-8729BC0AB4A4}"/>
+              </a:ext>
+            </a:extLst>
+          </p:cNvPr>
+          <p:cNvSpPr txBox="1"/>
+          <p:nvPr/>
+        </p:nvSpPr>
+        <p:spPr>
+          <a:xfrm>
+            <a:off x="2496296" y="934464"/>
+            <a:ext cx="7199407" cy="584775"/>
+          </a:xfrm>
+          <a:prstGeom prst="rect">
+            <a:avLst/>
+          </a:prstGeom>
+          <a:noFill/>
+        </p:spPr>
+        <p:txBody>
+          <a:bodyPr wrap="none" rtlCol="0">
+            <a:spAutoFit/>
+          </a:bodyPr>
+          <a:lstStyle/>
+          <a:p>
+            <a:r>
+              <a:rPr lang="de-DE" sz="3200" b="1" spc="600" dirty="0">
+                <a:solidFill>
+                  <a:schemeClr val="tx1">
+                    <a:lumMod val="85000"/>
+                    <a:lumOff val="15000"/>
+                  </a:schemeClr>
+                </a:solidFill>
+                <a:latin typeface="Agency FB" panose="020B0503020202020204" pitchFamily="34" charset="0"/>
+              </a:rPr>
+              <a:t>TRIFF UNSER GROSSARTIGES TEAM</a:t>
+            </a:r>
+          </a:p>
+        </p:txBody>
+      </p:sp>
+    </p:spTree>
+    <p:extLst>
+      <p:ext uri="{BB962C8B-B14F-4D97-AF65-F5344CB8AC3E}">
+        <p14:creationId xmlns:p14="http://schemas.microsoft.com/office/powerpoint/2010/main" val="1513527031"/>
       </p:ext>
     </p:extLst>
   </p:cSld>

--- a/Presentation/Eventopia.pptx
+++ b/Presentation/Eventopia.pptx
@@ -8,6 +8,7 @@
     <p:sldId id="256" r:id="rId2"/>
     <p:sldId id="257" r:id="rId3"/>
     <p:sldId id="258" r:id="rId4"/>
+    <p:sldId id="259" r:id="rId5"/>
   </p:sldIdLst>
   <p:sldSz cx="12192000" cy="6858000"/>
   <p:notesSz cx="6858000" cy="9144000"/>
@@ -3665,7 +3666,7 @@
             <a:pPr algn="ctr"/>
             <a:r>
               <a:rPr lang="de-DE" sz="1600" dirty="0"/>
-              <a:t>1</a:t>
+              <a:t>2</a:t>
             </a:r>
           </a:p>
         </p:txBody>
@@ -3723,8 +3724,8 @@
         </p:nvSpPr>
         <p:spPr>
           <a:xfrm>
-            <a:off x="6695956" y="3371125"/>
-            <a:ext cx="2343334" cy="430887"/>
+            <a:off x="6775432" y="3371125"/>
+            <a:ext cx="2184381" cy="400110"/>
           </a:xfrm>
           <a:prstGeom prst="rect">
             <a:avLst/>
@@ -3739,7 +3740,7 @@
           <a:p>
             <a:pPr algn="ctr"/>
             <a:r>
-              <a:rPr lang="de-DE" sz="2200" b="1" spc="300" dirty="0">
+              <a:rPr lang="de-DE" sz="2000" b="1" spc="300" dirty="0">
                 <a:solidFill>
                   <a:schemeClr val="tx1">
                     <a:lumMod val="85000"/>
@@ -3766,8 +3767,8 @@
         </p:nvSpPr>
         <p:spPr>
           <a:xfrm>
-            <a:off x="9837412" y="3371124"/>
-            <a:ext cx="1433406" cy="430887"/>
+            <a:off x="9882296" y="3371124"/>
+            <a:ext cx="1343638" cy="400110"/>
           </a:xfrm>
           <a:prstGeom prst="rect">
             <a:avLst/>
@@ -3782,7 +3783,7 @@
           <a:p>
             <a:pPr algn="ctr"/>
             <a:r>
-              <a:rPr lang="de-DE" sz="2200" b="1" spc="300" dirty="0">
+              <a:rPr lang="de-DE" sz="2000" b="1" spc="300" dirty="0">
                 <a:solidFill>
                   <a:schemeClr val="tx1">
                     <a:lumMod val="85000"/>
@@ -3809,8 +3810,8 @@
         </p:nvSpPr>
         <p:spPr>
           <a:xfrm>
-            <a:off x="6669262" y="5363903"/>
-            <a:ext cx="2441759" cy="430887"/>
+            <a:off x="6753869" y="5363903"/>
+            <a:ext cx="2272545" cy="400110"/>
           </a:xfrm>
           <a:prstGeom prst="rect">
             <a:avLst/>
@@ -3825,7 +3826,7 @@
           <a:p>
             <a:pPr algn="ctr"/>
             <a:r>
-              <a:rPr lang="de-DE" sz="2200" b="1" spc="300" dirty="0">
+              <a:rPr lang="de-DE" sz="2000" b="1" spc="300" dirty="0">
                 <a:solidFill>
                   <a:schemeClr val="tx1">
                     <a:lumMod val="85000"/>
@@ -3852,8 +3853,8 @@
         </p:nvSpPr>
         <p:spPr>
           <a:xfrm>
-            <a:off x="9599783" y="5361694"/>
-            <a:ext cx="1991251" cy="430887"/>
+            <a:off x="9666308" y="5361694"/>
+            <a:ext cx="1858201" cy="400110"/>
           </a:xfrm>
           <a:prstGeom prst="rect">
             <a:avLst/>
@@ -3868,7 +3869,7 @@
           <a:p>
             <a:pPr algn="ctr"/>
             <a:r>
-              <a:rPr lang="de-DE" sz="2200" b="1" spc="300" dirty="0">
+              <a:rPr lang="de-DE" sz="2000" b="1" spc="300" dirty="0">
                 <a:solidFill>
                   <a:schemeClr val="tx1">
                     <a:lumMod val="85000"/>
@@ -4081,7 +4082,7 @@
             <a:pPr algn="ctr"/>
             <a:r>
               <a:rPr lang="de-DE" sz="1600" dirty="0"/>
-              <a:t>2</a:t>
+              <a:t>3</a:t>
             </a:r>
           </a:p>
         </p:txBody>
@@ -4100,7 +4101,7 @@
         </p:nvSpPr>
         <p:spPr>
           <a:xfrm>
-            <a:off x="2496296" y="934464"/>
+            <a:off x="2496296" y="782764"/>
             <a:ext cx="7199407" cy="584775"/>
           </a:xfrm>
           <a:prstGeom prst="rect">
@@ -4129,10 +4130,1095 @@
           </a:p>
         </p:txBody>
       </p:sp>
+      <p:sp>
+        <p:nvSpPr>
+          <p:cNvPr id="4" name="Ellipse 3">
+            <a:extLst>
+              <a:ext uri="{FF2B5EF4-FFF2-40B4-BE49-F238E27FC236}">
+                <a16:creationId xmlns:a16="http://schemas.microsoft.com/office/drawing/2014/main" id="{54F1771B-FAFB-F1B0-A444-C4C78D296788}"/>
+              </a:ext>
+            </a:extLst>
+          </p:cNvPr>
+          <p:cNvSpPr/>
+          <p:nvPr/>
+        </p:nvSpPr>
+        <p:spPr>
+          <a:xfrm>
+            <a:off x="1673077" y="1886775"/>
+            <a:ext cx="1022497" cy="1022497"/>
+          </a:xfrm>
+          <a:prstGeom prst="ellipse">
+            <a:avLst/>
+          </a:prstGeom>
+          <a:noFill/>
+          <a:ln>
+            <a:solidFill>
+              <a:schemeClr val="bg2">
+                <a:lumMod val="25000"/>
+              </a:schemeClr>
+            </a:solidFill>
+          </a:ln>
+        </p:spPr>
+        <p:style>
+          <a:lnRef idx="2">
+            <a:schemeClr val="accent1">
+              <a:shade val="15000"/>
+            </a:schemeClr>
+          </a:lnRef>
+          <a:fillRef idx="1">
+            <a:schemeClr val="accent1"/>
+          </a:fillRef>
+          <a:effectRef idx="0">
+            <a:schemeClr val="accent1"/>
+          </a:effectRef>
+          <a:fontRef idx="minor">
+            <a:schemeClr val="lt1"/>
+          </a:fontRef>
+        </p:style>
+        <p:txBody>
+          <a:bodyPr rtlCol="0" anchor="ctr"/>
+          <a:lstStyle/>
+          <a:p>
+            <a:pPr algn="ctr"/>
+            <a:endParaRPr lang="de-DE"/>
+          </a:p>
+        </p:txBody>
+      </p:sp>
+      <p:sp>
+        <p:nvSpPr>
+          <p:cNvPr id="5" name="Ellipse 4">
+            <a:extLst>
+              <a:ext uri="{FF2B5EF4-FFF2-40B4-BE49-F238E27FC236}">
+                <a16:creationId xmlns:a16="http://schemas.microsoft.com/office/drawing/2014/main" id="{996DFC4D-BDC7-23D2-92F8-4D3E877E8AEB}"/>
+              </a:ext>
+            </a:extLst>
+          </p:cNvPr>
+          <p:cNvSpPr/>
+          <p:nvPr/>
+        </p:nvSpPr>
+        <p:spPr>
+          <a:xfrm>
+            <a:off x="5338994" y="1886775"/>
+            <a:ext cx="1022497" cy="1022497"/>
+          </a:xfrm>
+          <a:prstGeom prst="ellipse">
+            <a:avLst/>
+          </a:prstGeom>
+          <a:noFill/>
+          <a:ln>
+            <a:solidFill>
+              <a:schemeClr val="bg2">
+                <a:lumMod val="25000"/>
+              </a:schemeClr>
+            </a:solidFill>
+          </a:ln>
+        </p:spPr>
+        <p:style>
+          <a:lnRef idx="2">
+            <a:schemeClr val="accent1">
+              <a:shade val="15000"/>
+            </a:schemeClr>
+          </a:lnRef>
+          <a:fillRef idx="1">
+            <a:schemeClr val="accent1"/>
+          </a:fillRef>
+          <a:effectRef idx="0">
+            <a:schemeClr val="accent1"/>
+          </a:effectRef>
+          <a:fontRef idx="minor">
+            <a:schemeClr val="lt1"/>
+          </a:fontRef>
+        </p:style>
+        <p:txBody>
+          <a:bodyPr rtlCol="0" anchor="ctr"/>
+          <a:lstStyle/>
+          <a:p>
+            <a:pPr algn="ctr"/>
+            <a:endParaRPr lang="de-DE"/>
+          </a:p>
+        </p:txBody>
+      </p:sp>
+      <p:sp>
+        <p:nvSpPr>
+          <p:cNvPr id="6" name="Ellipse 5">
+            <a:extLst>
+              <a:ext uri="{FF2B5EF4-FFF2-40B4-BE49-F238E27FC236}">
+                <a16:creationId xmlns:a16="http://schemas.microsoft.com/office/drawing/2014/main" id="{9C5207D6-3BE3-51CF-C4BC-5B09768724BA}"/>
+              </a:ext>
+            </a:extLst>
+          </p:cNvPr>
+          <p:cNvSpPr/>
+          <p:nvPr/>
+        </p:nvSpPr>
+        <p:spPr>
+          <a:xfrm>
+            <a:off x="5292081" y="4178250"/>
+            <a:ext cx="1022497" cy="1022497"/>
+          </a:xfrm>
+          <a:prstGeom prst="ellipse">
+            <a:avLst/>
+          </a:prstGeom>
+          <a:noFill/>
+          <a:ln>
+            <a:solidFill>
+              <a:schemeClr val="bg2">
+                <a:lumMod val="25000"/>
+              </a:schemeClr>
+            </a:solidFill>
+          </a:ln>
+        </p:spPr>
+        <p:style>
+          <a:lnRef idx="2">
+            <a:schemeClr val="accent1">
+              <a:shade val="15000"/>
+            </a:schemeClr>
+          </a:lnRef>
+          <a:fillRef idx="1">
+            <a:schemeClr val="accent1"/>
+          </a:fillRef>
+          <a:effectRef idx="0">
+            <a:schemeClr val="accent1"/>
+          </a:effectRef>
+          <a:fontRef idx="minor">
+            <a:schemeClr val="lt1"/>
+          </a:fontRef>
+        </p:style>
+        <p:txBody>
+          <a:bodyPr rtlCol="0" anchor="ctr"/>
+          <a:lstStyle/>
+          <a:p>
+            <a:pPr algn="ctr"/>
+            <a:endParaRPr lang="de-DE"/>
+          </a:p>
+        </p:txBody>
+      </p:sp>
+      <p:sp>
+        <p:nvSpPr>
+          <p:cNvPr id="7" name="Ellipse 6">
+            <a:extLst>
+              <a:ext uri="{FF2B5EF4-FFF2-40B4-BE49-F238E27FC236}">
+                <a16:creationId xmlns:a16="http://schemas.microsoft.com/office/drawing/2014/main" id="{85C4FAF6-2EB3-80E2-CCDA-2C313BB5D2A6}"/>
+              </a:ext>
+            </a:extLst>
+          </p:cNvPr>
+          <p:cNvSpPr/>
+          <p:nvPr/>
+        </p:nvSpPr>
+        <p:spPr>
+          <a:xfrm>
+            <a:off x="1684133" y="4178250"/>
+            <a:ext cx="1022497" cy="1022497"/>
+          </a:xfrm>
+          <a:prstGeom prst="ellipse">
+            <a:avLst/>
+          </a:prstGeom>
+          <a:noFill/>
+          <a:ln>
+            <a:solidFill>
+              <a:schemeClr val="bg2">
+                <a:lumMod val="25000"/>
+              </a:schemeClr>
+            </a:solidFill>
+          </a:ln>
+        </p:spPr>
+        <p:style>
+          <a:lnRef idx="2">
+            <a:schemeClr val="accent1">
+              <a:shade val="15000"/>
+            </a:schemeClr>
+          </a:lnRef>
+          <a:fillRef idx="1">
+            <a:schemeClr val="accent1"/>
+          </a:fillRef>
+          <a:effectRef idx="0">
+            <a:schemeClr val="accent1"/>
+          </a:effectRef>
+          <a:fontRef idx="minor">
+            <a:schemeClr val="lt1"/>
+          </a:fontRef>
+        </p:style>
+        <p:txBody>
+          <a:bodyPr rtlCol="0" anchor="ctr"/>
+          <a:lstStyle/>
+          <a:p>
+            <a:pPr algn="ctr"/>
+            <a:endParaRPr lang="de-DE"/>
+          </a:p>
+        </p:txBody>
+      </p:sp>
+      <p:sp>
+        <p:nvSpPr>
+          <p:cNvPr id="8" name="Ellipse 7">
+            <a:extLst>
+              <a:ext uri="{FF2B5EF4-FFF2-40B4-BE49-F238E27FC236}">
+                <a16:creationId xmlns:a16="http://schemas.microsoft.com/office/drawing/2014/main" id="{2AEC7E76-6ABC-6AC5-A6D3-10DDF2262B3A}"/>
+              </a:ext>
+            </a:extLst>
+          </p:cNvPr>
+          <p:cNvSpPr/>
+          <p:nvPr/>
+        </p:nvSpPr>
+        <p:spPr>
+          <a:xfrm>
+            <a:off x="9496426" y="2847489"/>
+            <a:ext cx="1022497" cy="1022497"/>
+          </a:xfrm>
+          <a:prstGeom prst="ellipse">
+            <a:avLst/>
+          </a:prstGeom>
+          <a:noFill/>
+          <a:ln>
+            <a:solidFill>
+              <a:schemeClr val="bg2">
+                <a:lumMod val="25000"/>
+              </a:schemeClr>
+            </a:solidFill>
+          </a:ln>
+        </p:spPr>
+        <p:style>
+          <a:lnRef idx="2">
+            <a:schemeClr val="accent1">
+              <a:shade val="15000"/>
+            </a:schemeClr>
+          </a:lnRef>
+          <a:fillRef idx="1">
+            <a:schemeClr val="accent1"/>
+          </a:fillRef>
+          <a:effectRef idx="0">
+            <a:schemeClr val="accent1"/>
+          </a:effectRef>
+          <a:fontRef idx="minor">
+            <a:schemeClr val="lt1"/>
+          </a:fontRef>
+        </p:style>
+        <p:txBody>
+          <a:bodyPr rtlCol="0" anchor="ctr"/>
+          <a:lstStyle/>
+          <a:p>
+            <a:pPr algn="ctr"/>
+            <a:endParaRPr lang="de-DE"/>
+          </a:p>
+        </p:txBody>
+      </p:sp>
+      <p:cxnSp>
+        <p:nvCxnSpPr>
+          <p:cNvPr id="12" name="Gerader Verbinder 11">
+            <a:extLst>
+              <a:ext uri="{FF2B5EF4-FFF2-40B4-BE49-F238E27FC236}">
+                <a16:creationId xmlns:a16="http://schemas.microsoft.com/office/drawing/2014/main" id="{F89C77A5-BF11-6241-31B0-28F958255543}"/>
+              </a:ext>
+            </a:extLst>
+          </p:cNvPr>
+          <p:cNvCxnSpPr>
+            <a:cxnSpLocks/>
+          </p:cNvCxnSpPr>
+          <p:nvPr/>
+        </p:nvCxnSpPr>
+        <p:spPr>
+          <a:xfrm>
+            <a:off x="7998394" y="2186527"/>
+            <a:ext cx="0" cy="3471323"/>
+          </a:xfrm>
+          <a:prstGeom prst="line">
+            <a:avLst/>
+          </a:prstGeom>
+          <a:ln>
+            <a:solidFill>
+              <a:schemeClr val="bg2">
+                <a:lumMod val="25000"/>
+              </a:schemeClr>
+            </a:solidFill>
+          </a:ln>
+        </p:spPr>
+        <p:style>
+          <a:lnRef idx="2">
+            <a:schemeClr val="accent1"/>
+          </a:lnRef>
+          <a:fillRef idx="0">
+            <a:schemeClr val="accent1"/>
+          </a:fillRef>
+          <a:effectRef idx="1">
+            <a:schemeClr val="accent1"/>
+          </a:effectRef>
+          <a:fontRef idx="minor">
+            <a:schemeClr val="tx1"/>
+          </a:fontRef>
+        </p:style>
+      </p:cxnSp>
+      <p:sp>
+        <p:nvSpPr>
+          <p:cNvPr id="22" name="Textfeld 21">
+            <a:extLst>
+              <a:ext uri="{FF2B5EF4-FFF2-40B4-BE49-F238E27FC236}">
+                <a16:creationId xmlns:a16="http://schemas.microsoft.com/office/drawing/2014/main" id="{FC86C109-9F0F-3B16-26D4-E0A0F9560397}"/>
+              </a:ext>
+            </a:extLst>
+          </p:cNvPr>
+          <p:cNvSpPr txBox="1"/>
+          <p:nvPr/>
+        </p:nvSpPr>
+        <p:spPr>
+          <a:xfrm>
+            <a:off x="1236711" y="2989405"/>
+            <a:ext cx="1885453" cy="646331"/>
+          </a:xfrm>
+          <a:prstGeom prst="rect">
+            <a:avLst/>
+          </a:prstGeom>
+          <a:noFill/>
+        </p:spPr>
+        <p:txBody>
+          <a:bodyPr wrap="none" rtlCol="0">
+            <a:spAutoFit/>
+          </a:bodyPr>
+          <a:lstStyle/>
+          <a:p>
+            <a:pPr algn="ctr"/>
+            <a:r>
+              <a:rPr lang="de-DE" b="1" spc="300" dirty="0">
+                <a:solidFill>
+                  <a:schemeClr val="tx1">
+                    <a:lumMod val="85000"/>
+                    <a:lumOff val="15000"/>
+                  </a:schemeClr>
+                </a:solidFill>
+              </a:rPr>
+              <a:t>ABDUL HADI</a:t>
+            </a:r>
+          </a:p>
+          <a:p>
+            <a:pPr algn="ctr"/>
+            <a:r>
+              <a:rPr lang="de-DE" b="1" spc="300" dirty="0">
+                <a:solidFill>
+                  <a:schemeClr val="tx1">
+                    <a:lumMod val="85000"/>
+                    <a:lumOff val="15000"/>
+                  </a:schemeClr>
+                </a:solidFill>
+              </a:rPr>
+              <a:t>ALQAWAS</a:t>
+            </a:r>
+          </a:p>
+        </p:txBody>
+      </p:sp>
+      <p:sp>
+        <p:nvSpPr>
+          <p:cNvPr id="23" name="Textfeld 22">
+            <a:extLst>
+              <a:ext uri="{FF2B5EF4-FFF2-40B4-BE49-F238E27FC236}">
+                <a16:creationId xmlns:a16="http://schemas.microsoft.com/office/drawing/2014/main" id="{98DFAEDB-82F9-DBF8-1A7C-750CB9A133F5}"/>
+              </a:ext>
+            </a:extLst>
+          </p:cNvPr>
+          <p:cNvSpPr txBox="1"/>
+          <p:nvPr/>
+        </p:nvSpPr>
+        <p:spPr>
+          <a:xfrm>
+            <a:off x="4480862" y="2989405"/>
+            <a:ext cx="2738763" cy="369332"/>
+          </a:xfrm>
+          <a:prstGeom prst="rect">
+            <a:avLst/>
+          </a:prstGeom>
+          <a:noFill/>
+        </p:spPr>
+        <p:txBody>
+          <a:bodyPr wrap="none" rtlCol="0">
+            <a:spAutoFit/>
+          </a:bodyPr>
+          <a:lstStyle/>
+          <a:p>
+            <a:pPr algn="ctr"/>
+            <a:r>
+              <a:rPr lang="de-DE" b="1" spc="300" dirty="0">
+                <a:solidFill>
+                  <a:schemeClr val="tx1">
+                    <a:lumMod val="85000"/>
+                    <a:lumOff val="15000"/>
+                  </a:schemeClr>
+                </a:solidFill>
+              </a:rPr>
+              <a:t>CAROLIN FEURICH</a:t>
+            </a:r>
+          </a:p>
+        </p:txBody>
+      </p:sp>
+      <p:sp>
+        <p:nvSpPr>
+          <p:cNvPr id="24" name="Textfeld 23">
+            <a:extLst>
+              <a:ext uri="{FF2B5EF4-FFF2-40B4-BE49-F238E27FC236}">
+                <a16:creationId xmlns:a16="http://schemas.microsoft.com/office/drawing/2014/main" id="{9C521CAE-AA57-1370-9DC8-CD914E82D283}"/>
+              </a:ext>
+            </a:extLst>
+          </p:cNvPr>
+          <p:cNvSpPr txBox="1"/>
+          <p:nvPr/>
+        </p:nvSpPr>
+        <p:spPr>
+          <a:xfrm>
+            <a:off x="1652239" y="3635736"/>
+            <a:ext cx="1054391" cy="369332"/>
+          </a:xfrm>
+          <a:prstGeom prst="rect">
+            <a:avLst/>
+          </a:prstGeom>
+          <a:noFill/>
+        </p:spPr>
+        <p:txBody>
+          <a:bodyPr wrap="none" rtlCol="0">
+            <a:spAutoFit/>
+          </a:bodyPr>
+          <a:lstStyle/>
+          <a:p>
+            <a:pPr algn="ctr"/>
+            <a:r>
+              <a:rPr lang="de-DE" dirty="0">
+                <a:solidFill>
+                  <a:schemeClr val="tx1">
+                    <a:lumMod val="85000"/>
+                    <a:lumOff val="15000"/>
+                  </a:schemeClr>
+                </a:solidFill>
+              </a:rPr>
+              <a:t>Backend</a:t>
+            </a:r>
+          </a:p>
+        </p:txBody>
+      </p:sp>
+      <p:sp>
+        <p:nvSpPr>
+          <p:cNvPr id="25" name="Textfeld 24">
+            <a:extLst>
+              <a:ext uri="{FF2B5EF4-FFF2-40B4-BE49-F238E27FC236}">
+                <a16:creationId xmlns:a16="http://schemas.microsoft.com/office/drawing/2014/main" id="{F2C59A97-3B8D-FE8A-ED54-2FB2284C1ECF}"/>
+              </a:ext>
+            </a:extLst>
+          </p:cNvPr>
+          <p:cNvSpPr txBox="1"/>
+          <p:nvPr/>
+        </p:nvSpPr>
+        <p:spPr>
+          <a:xfrm>
+            <a:off x="5338993" y="3359082"/>
+            <a:ext cx="1054391" cy="369332"/>
+          </a:xfrm>
+          <a:prstGeom prst="rect">
+            <a:avLst/>
+          </a:prstGeom>
+          <a:noFill/>
+        </p:spPr>
+        <p:txBody>
+          <a:bodyPr wrap="none" rtlCol="0">
+            <a:spAutoFit/>
+          </a:bodyPr>
+          <a:lstStyle/>
+          <a:p>
+            <a:pPr algn="ctr"/>
+            <a:r>
+              <a:rPr lang="de-DE" dirty="0">
+                <a:solidFill>
+                  <a:schemeClr val="tx1">
+                    <a:lumMod val="85000"/>
+                    <a:lumOff val="15000"/>
+                  </a:schemeClr>
+                </a:solidFill>
+              </a:rPr>
+              <a:t>Backend</a:t>
+            </a:r>
+          </a:p>
+        </p:txBody>
+      </p:sp>
+      <p:sp>
+        <p:nvSpPr>
+          <p:cNvPr id="26" name="Textfeld 25">
+            <a:extLst>
+              <a:ext uri="{FF2B5EF4-FFF2-40B4-BE49-F238E27FC236}">
+                <a16:creationId xmlns:a16="http://schemas.microsoft.com/office/drawing/2014/main" id="{8462DABD-DD3A-6749-67B7-416EB7A118D3}"/>
+              </a:ext>
+            </a:extLst>
+          </p:cNvPr>
+          <p:cNvSpPr txBox="1"/>
+          <p:nvPr/>
+        </p:nvSpPr>
+        <p:spPr>
+          <a:xfrm>
+            <a:off x="4354670" y="5335829"/>
+            <a:ext cx="2897333" cy="369332"/>
+          </a:xfrm>
+          <a:prstGeom prst="rect">
+            <a:avLst/>
+          </a:prstGeom>
+          <a:noFill/>
+        </p:spPr>
+        <p:txBody>
+          <a:bodyPr wrap="none" rtlCol="0">
+            <a:spAutoFit/>
+          </a:bodyPr>
+          <a:lstStyle/>
+          <a:p>
+            <a:pPr algn="ctr"/>
+            <a:r>
+              <a:rPr lang="de-DE" b="1" spc="300" dirty="0">
+                <a:solidFill>
+                  <a:schemeClr val="tx1">
+                    <a:lumMod val="85000"/>
+                    <a:lumOff val="15000"/>
+                  </a:schemeClr>
+                </a:solidFill>
+              </a:rPr>
+              <a:t>ROMAN KOSOVTSEV</a:t>
+            </a:r>
+          </a:p>
+        </p:txBody>
+      </p:sp>
+      <p:sp>
+        <p:nvSpPr>
+          <p:cNvPr id="27" name="Textfeld 26">
+            <a:extLst>
+              <a:ext uri="{FF2B5EF4-FFF2-40B4-BE49-F238E27FC236}">
+                <a16:creationId xmlns:a16="http://schemas.microsoft.com/office/drawing/2014/main" id="{D7D88FB6-017C-F84D-AC96-E6239FA25845}"/>
+              </a:ext>
+            </a:extLst>
+          </p:cNvPr>
+          <p:cNvSpPr txBox="1"/>
+          <p:nvPr/>
+        </p:nvSpPr>
+        <p:spPr>
+          <a:xfrm>
+            <a:off x="896794" y="5335829"/>
+            <a:ext cx="2597186" cy="369332"/>
+          </a:xfrm>
+          <a:prstGeom prst="rect">
+            <a:avLst/>
+          </a:prstGeom>
+          <a:noFill/>
+        </p:spPr>
+        <p:txBody>
+          <a:bodyPr wrap="none" rtlCol="0">
+            <a:spAutoFit/>
+          </a:bodyPr>
+          <a:lstStyle/>
+          <a:p>
+            <a:pPr algn="ctr"/>
+            <a:r>
+              <a:rPr lang="de-DE" b="1" spc="300" dirty="0">
+                <a:solidFill>
+                  <a:schemeClr val="tx1">
+                    <a:lumMod val="85000"/>
+                    <a:lumOff val="15000"/>
+                  </a:schemeClr>
+                </a:solidFill>
+              </a:rPr>
+              <a:t>JENNIFER SCHÖN</a:t>
+            </a:r>
+          </a:p>
+        </p:txBody>
+      </p:sp>
+      <p:sp>
+        <p:nvSpPr>
+          <p:cNvPr id="28" name="Textfeld 27">
+            <a:extLst>
+              <a:ext uri="{FF2B5EF4-FFF2-40B4-BE49-F238E27FC236}">
+                <a16:creationId xmlns:a16="http://schemas.microsoft.com/office/drawing/2014/main" id="{2C618CE6-4836-D719-C8D4-FFC8C8E8E510}"/>
+              </a:ext>
+            </a:extLst>
+          </p:cNvPr>
+          <p:cNvSpPr txBox="1"/>
+          <p:nvPr/>
+        </p:nvSpPr>
+        <p:spPr>
+          <a:xfrm>
+            <a:off x="5261321" y="5705506"/>
+            <a:ext cx="1084015" cy="369332"/>
+          </a:xfrm>
+          <a:prstGeom prst="rect">
+            <a:avLst/>
+          </a:prstGeom>
+          <a:noFill/>
+        </p:spPr>
+        <p:txBody>
+          <a:bodyPr wrap="none" rtlCol="0">
+            <a:spAutoFit/>
+          </a:bodyPr>
+          <a:lstStyle/>
+          <a:p>
+            <a:pPr algn="ctr"/>
+            <a:r>
+              <a:rPr lang="de-DE" dirty="0">
+                <a:solidFill>
+                  <a:schemeClr val="tx1">
+                    <a:lumMod val="85000"/>
+                    <a:lumOff val="15000"/>
+                  </a:schemeClr>
+                </a:solidFill>
+              </a:rPr>
+              <a:t>Frontend</a:t>
+            </a:r>
+          </a:p>
+        </p:txBody>
+      </p:sp>
+      <p:sp>
+        <p:nvSpPr>
+          <p:cNvPr id="29" name="Textfeld 28">
+            <a:extLst>
+              <a:ext uri="{FF2B5EF4-FFF2-40B4-BE49-F238E27FC236}">
+                <a16:creationId xmlns:a16="http://schemas.microsoft.com/office/drawing/2014/main" id="{559A4658-C5D6-8F20-2138-A140B085A101}"/>
+              </a:ext>
+            </a:extLst>
+          </p:cNvPr>
+          <p:cNvSpPr txBox="1"/>
+          <p:nvPr/>
+        </p:nvSpPr>
+        <p:spPr>
+          <a:xfrm>
+            <a:off x="1669323" y="5705506"/>
+            <a:ext cx="1084015" cy="369332"/>
+          </a:xfrm>
+          <a:prstGeom prst="rect">
+            <a:avLst/>
+          </a:prstGeom>
+          <a:noFill/>
+        </p:spPr>
+        <p:txBody>
+          <a:bodyPr wrap="none" rtlCol="0">
+            <a:spAutoFit/>
+          </a:bodyPr>
+          <a:lstStyle/>
+          <a:p>
+            <a:pPr algn="ctr"/>
+            <a:r>
+              <a:rPr lang="de-DE" dirty="0">
+                <a:solidFill>
+                  <a:schemeClr val="tx1">
+                    <a:lumMod val="85000"/>
+                    <a:lumOff val="15000"/>
+                  </a:schemeClr>
+                </a:solidFill>
+              </a:rPr>
+              <a:t>Frontend</a:t>
+            </a:r>
+          </a:p>
+        </p:txBody>
+      </p:sp>
+      <p:pic>
+        <p:nvPicPr>
+          <p:cNvPr id="31" name="Grafik 30" descr="Programmierer Silhouette">
+            <a:extLst>
+              <a:ext uri="{FF2B5EF4-FFF2-40B4-BE49-F238E27FC236}">
+                <a16:creationId xmlns:a16="http://schemas.microsoft.com/office/drawing/2014/main" id="{D65E3056-C026-CF93-62F9-5714C177A017}"/>
+              </a:ext>
+            </a:extLst>
+          </p:cNvPr>
+          <p:cNvPicPr>
+            <a:picLocks noChangeAspect="1"/>
+          </p:cNvPicPr>
+          <p:nvPr/>
+        </p:nvPicPr>
+        <p:blipFill>
+          <a:blip r:embed="rId2">
+            <a:extLst>
+              <a:ext uri="{28A0092B-C50C-407E-A947-70E740481C1C}">
+                <a14:useLocalDpi xmlns:a14="http://schemas.microsoft.com/office/drawing/2010/main" val="0"/>
+              </a:ext>
+              <a:ext uri="{96DAC541-7B7A-43D3-8B79-37D633B846F1}">
+                <asvg:svgBlip xmlns:asvg="http://schemas.microsoft.com/office/drawing/2016/SVG/main" r:embed="rId3"/>
+              </a:ext>
+            </a:extLst>
+          </a:blip>
+          <a:stretch>
+            <a:fillRect/>
+          </a:stretch>
+        </p:blipFill>
+        <p:spPr>
+          <a:xfrm>
+            <a:off x="1827565" y="1976672"/>
+            <a:ext cx="743417" cy="743417"/>
+          </a:xfrm>
+          <a:prstGeom prst="rect">
+            <a:avLst/>
+          </a:prstGeom>
+        </p:spPr>
+      </p:pic>
+      <p:pic>
+        <p:nvPicPr>
+          <p:cNvPr id="33" name="Grafik 32" descr="Programmiererin Silhouette">
+            <a:extLst>
+              <a:ext uri="{FF2B5EF4-FFF2-40B4-BE49-F238E27FC236}">
+                <a16:creationId xmlns:a16="http://schemas.microsoft.com/office/drawing/2014/main" id="{E66DF15B-3316-7DFD-9A2F-8357F2868546}"/>
+              </a:ext>
+            </a:extLst>
+          </p:cNvPr>
+          <p:cNvPicPr>
+            <a:picLocks noChangeAspect="1"/>
+          </p:cNvPicPr>
+          <p:nvPr/>
+        </p:nvPicPr>
+        <p:blipFill>
+          <a:blip r:embed="rId4">
+            <a:extLst>
+              <a:ext uri="{28A0092B-C50C-407E-A947-70E740481C1C}">
+                <a14:useLocalDpi xmlns:a14="http://schemas.microsoft.com/office/drawing/2010/main" val="0"/>
+              </a:ext>
+              <a:ext uri="{96DAC541-7B7A-43D3-8B79-37D633B846F1}">
+                <asvg:svgBlip xmlns:asvg="http://schemas.microsoft.com/office/drawing/2016/SVG/main" r:embed="rId5"/>
+              </a:ext>
+            </a:extLst>
+          </a:blip>
+          <a:stretch>
+            <a:fillRect/>
+          </a:stretch>
+        </p:blipFill>
+        <p:spPr>
+          <a:xfrm>
+            <a:off x="5483133" y="1973030"/>
+            <a:ext cx="747059" cy="747059"/>
+          </a:xfrm>
+          <a:prstGeom prst="rect">
+            <a:avLst/>
+          </a:prstGeom>
+        </p:spPr>
+      </p:pic>
+      <p:pic>
+        <p:nvPicPr>
+          <p:cNvPr id="34" name="Grafik 33" descr="Programmierer Silhouette">
+            <a:extLst>
+              <a:ext uri="{FF2B5EF4-FFF2-40B4-BE49-F238E27FC236}">
+                <a16:creationId xmlns:a16="http://schemas.microsoft.com/office/drawing/2014/main" id="{70FA9CBF-D105-BE45-55A6-3809ACF4C8FC}"/>
+              </a:ext>
+            </a:extLst>
+          </p:cNvPr>
+          <p:cNvPicPr>
+            <a:picLocks noChangeAspect="1"/>
+          </p:cNvPicPr>
+          <p:nvPr/>
+        </p:nvPicPr>
+        <p:blipFill>
+          <a:blip r:embed="rId2">
+            <a:extLst>
+              <a:ext uri="{28A0092B-C50C-407E-A947-70E740481C1C}">
+                <a14:useLocalDpi xmlns:a14="http://schemas.microsoft.com/office/drawing/2010/main" val="0"/>
+              </a:ext>
+              <a:ext uri="{96DAC541-7B7A-43D3-8B79-37D633B846F1}">
+                <asvg:svgBlip xmlns:asvg="http://schemas.microsoft.com/office/drawing/2016/SVG/main" r:embed="rId3"/>
+              </a:ext>
+            </a:extLst>
+          </a:blip>
+          <a:stretch>
+            <a:fillRect/>
+          </a:stretch>
+        </p:blipFill>
+        <p:spPr>
+          <a:xfrm>
+            <a:off x="5431619" y="4291940"/>
+            <a:ext cx="743417" cy="743417"/>
+          </a:xfrm>
+          <a:prstGeom prst="rect">
+            <a:avLst/>
+          </a:prstGeom>
+        </p:spPr>
+      </p:pic>
+      <p:pic>
+        <p:nvPicPr>
+          <p:cNvPr id="35" name="Grafik 34" descr="Programmiererin Silhouette">
+            <a:extLst>
+              <a:ext uri="{FF2B5EF4-FFF2-40B4-BE49-F238E27FC236}">
+                <a16:creationId xmlns:a16="http://schemas.microsoft.com/office/drawing/2014/main" id="{00CC6A65-784B-8233-FE0A-BF9F76064AD7}"/>
+              </a:ext>
+            </a:extLst>
+          </p:cNvPr>
+          <p:cNvPicPr>
+            <a:picLocks noChangeAspect="1"/>
+          </p:cNvPicPr>
+          <p:nvPr/>
+        </p:nvPicPr>
+        <p:blipFill>
+          <a:blip r:embed="rId4">
+            <a:extLst>
+              <a:ext uri="{28A0092B-C50C-407E-A947-70E740481C1C}">
+                <a14:useLocalDpi xmlns:a14="http://schemas.microsoft.com/office/drawing/2010/main" val="0"/>
+              </a:ext>
+              <a:ext uri="{96DAC541-7B7A-43D3-8B79-37D633B846F1}">
+                <asvg:svgBlip xmlns:asvg="http://schemas.microsoft.com/office/drawing/2016/SVG/main" r:embed="rId5"/>
+              </a:ext>
+            </a:extLst>
+          </a:blip>
+          <a:stretch>
+            <a:fillRect/>
+          </a:stretch>
+        </p:blipFill>
+        <p:spPr>
+          <a:xfrm>
+            <a:off x="1821851" y="4288298"/>
+            <a:ext cx="747059" cy="747059"/>
+          </a:xfrm>
+          <a:prstGeom prst="rect">
+            <a:avLst/>
+          </a:prstGeom>
+        </p:spPr>
+      </p:pic>
+      <p:pic>
+        <p:nvPicPr>
+          <p:cNvPr id="39" name="Grafik 38" descr="Professor Silhouette">
+            <a:extLst>
+              <a:ext uri="{FF2B5EF4-FFF2-40B4-BE49-F238E27FC236}">
+                <a16:creationId xmlns:a16="http://schemas.microsoft.com/office/drawing/2014/main" id="{D5020C02-834C-6432-43AA-B417A34618D3}"/>
+              </a:ext>
+            </a:extLst>
+          </p:cNvPr>
+          <p:cNvPicPr>
+            <a:picLocks noChangeAspect="1"/>
+          </p:cNvPicPr>
+          <p:nvPr/>
+        </p:nvPicPr>
+        <p:blipFill>
+          <a:blip r:embed="rId6">
+            <a:extLst>
+              <a:ext uri="{28A0092B-C50C-407E-A947-70E740481C1C}">
+                <a14:useLocalDpi xmlns:a14="http://schemas.microsoft.com/office/drawing/2010/main" val="0"/>
+              </a:ext>
+              <a:ext uri="{96DAC541-7B7A-43D3-8B79-37D633B846F1}">
+                <asvg:svgBlip xmlns:asvg="http://schemas.microsoft.com/office/drawing/2016/SVG/main" r:embed="rId7"/>
+              </a:ext>
+            </a:extLst>
+          </a:blip>
+          <a:stretch>
+            <a:fillRect/>
+          </a:stretch>
+        </p:blipFill>
+        <p:spPr>
+          <a:xfrm>
+            <a:off x="9635298" y="2985207"/>
+            <a:ext cx="747060" cy="747060"/>
+          </a:xfrm>
+          <a:prstGeom prst="rect">
+            <a:avLst/>
+          </a:prstGeom>
+        </p:spPr>
+      </p:pic>
+      <p:sp>
+        <p:nvSpPr>
+          <p:cNvPr id="40" name="Textfeld 39">
+            <a:extLst>
+              <a:ext uri="{FF2B5EF4-FFF2-40B4-BE49-F238E27FC236}">
+                <a16:creationId xmlns:a16="http://schemas.microsoft.com/office/drawing/2014/main" id="{BE8DB5FC-10E9-39FF-1832-74802A30AA61}"/>
+              </a:ext>
+            </a:extLst>
+          </p:cNvPr>
+          <p:cNvSpPr txBox="1"/>
+          <p:nvPr/>
+        </p:nvSpPr>
+        <p:spPr>
+          <a:xfrm>
+            <a:off x="8608214" y="3950119"/>
+            <a:ext cx="2800639" cy="369332"/>
+          </a:xfrm>
+          <a:prstGeom prst="rect">
+            <a:avLst/>
+          </a:prstGeom>
+          <a:noFill/>
+        </p:spPr>
+        <p:txBody>
+          <a:bodyPr wrap="none" rtlCol="0">
+            <a:spAutoFit/>
+          </a:bodyPr>
+          <a:lstStyle/>
+          <a:p>
+            <a:pPr algn="ctr"/>
+            <a:r>
+              <a:rPr lang="de-DE" b="1" spc="300" dirty="0">
+                <a:solidFill>
+                  <a:schemeClr val="tx1">
+                    <a:lumMod val="85000"/>
+                    <a:lumOff val="15000"/>
+                  </a:schemeClr>
+                </a:solidFill>
+              </a:rPr>
+              <a:t>YANNICK RAMMELT</a:t>
+            </a:r>
+          </a:p>
+        </p:txBody>
+      </p:sp>
+      <p:sp>
+        <p:nvSpPr>
+          <p:cNvPr id="41" name="Textfeld 40">
+            <a:extLst>
+              <a:ext uri="{FF2B5EF4-FFF2-40B4-BE49-F238E27FC236}">
+                <a16:creationId xmlns:a16="http://schemas.microsoft.com/office/drawing/2014/main" id="{D3F119A1-8D52-8C33-DA03-E52E23B482F6}"/>
+              </a:ext>
+            </a:extLst>
+          </p:cNvPr>
+          <p:cNvSpPr txBox="1"/>
+          <p:nvPr/>
+        </p:nvSpPr>
+        <p:spPr>
+          <a:xfrm>
+            <a:off x="9309021" y="4319796"/>
+            <a:ext cx="1397307" cy="369332"/>
+          </a:xfrm>
+          <a:prstGeom prst="rect">
+            <a:avLst/>
+          </a:prstGeom>
+          <a:noFill/>
+        </p:spPr>
+        <p:txBody>
+          <a:bodyPr wrap="none" rtlCol="0">
+            <a:spAutoFit/>
+          </a:bodyPr>
+          <a:lstStyle/>
+          <a:p>
+            <a:pPr algn="ctr"/>
+            <a:r>
+              <a:rPr lang="de-DE" dirty="0">
+                <a:solidFill>
+                  <a:schemeClr val="tx1">
+                    <a:lumMod val="85000"/>
+                    <a:lumOff val="15000"/>
+                  </a:schemeClr>
+                </a:solidFill>
+              </a:rPr>
+              <a:t>Teamleitung</a:t>
+            </a:r>
+          </a:p>
+        </p:txBody>
+      </p:sp>
     </p:spTree>
     <p:extLst>
       <p:ext uri="{BB962C8B-B14F-4D97-AF65-F5344CB8AC3E}">
         <p14:creationId xmlns:p14="http://schemas.microsoft.com/office/powerpoint/2010/main" val="1513527031"/>
+      </p:ext>
+    </p:extLst>
+  </p:cSld>
+  <p:clrMapOvr>
+    <a:masterClrMapping/>
+  </p:clrMapOvr>
+</p:sld>
+</file>
+
+<file path=ppt/slides/slide4.xml><?xml version="1.0" encoding="utf-8"?>
+<p:sld xmlns:a="http://schemas.openxmlformats.org/drawingml/2006/main" xmlns:r="http://schemas.openxmlformats.org/officeDocument/2006/relationships" xmlns:p="http://schemas.openxmlformats.org/presentationml/2006/main">
+  <p:cSld>
+    <p:spTree>
+      <p:nvGrpSpPr>
+        <p:cNvPr id="1" name=""/>
+        <p:cNvGrpSpPr/>
+        <p:nvPr/>
+      </p:nvGrpSpPr>
+      <p:grpSpPr>
+        <a:xfrm>
+          <a:off x="0" y="0"/>
+          <a:ext cx="0" cy="0"/>
+          <a:chOff x="0" y="0"/>
+          <a:chExt cx="0" cy="0"/>
+        </a:xfrm>
+      </p:grpSpPr>
+      <p:sp>
+        <p:nvSpPr>
+          <p:cNvPr id="15" name="Ellipse 14">
+            <a:extLst>
+              <a:ext uri="{FF2B5EF4-FFF2-40B4-BE49-F238E27FC236}">
+                <a16:creationId xmlns:a16="http://schemas.microsoft.com/office/drawing/2014/main" id="{0F4B0575-3C54-DEF0-23C8-0176AD192009}"/>
+              </a:ext>
+            </a:extLst>
+          </p:cNvPr>
+          <p:cNvSpPr/>
+          <p:nvPr/>
+        </p:nvSpPr>
+        <p:spPr>
+          <a:xfrm>
+            <a:off x="11049738" y="450761"/>
+            <a:ext cx="318977" cy="308345"/>
+          </a:xfrm>
+          <a:prstGeom prst="ellipse">
+            <a:avLst/>
+          </a:prstGeom>
+          <a:solidFill>
+            <a:schemeClr val="tx1">
+              <a:lumMod val="85000"/>
+              <a:lumOff val="15000"/>
+            </a:schemeClr>
+          </a:solidFill>
+          <a:ln>
+            <a:noFill/>
+          </a:ln>
+        </p:spPr>
+        <p:style>
+          <a:lnRef idx="2">
+            <a:schemeClr val="accent1">
+              <a:shade val="15000"/>
+            </a:schemeClr>
+          </a:lnRef>
+          <a:fillRef idx="1">
+            <a:schemeClr val="accent1"/>
+          </a:fillRef>
+          <a:effectRef idx="0">
+            <a:schemeClr val="accent1"/>
+          </a:effectRef>
+          <a:fontRef idx="minor">
+            <a:schemeClr val="lt1"/>
+          </a:fontRef>
+        </p:style>
+        <p:txBody>
+          <a:bodyPr rtlCol="0" anchor="ctr"/>
+          <a:lstStyle/>
+          <a:p>
+            <a:pPr algn="ctr"/>
+            <a:r>
+              <a:rPr lang="de-DE" sz="1600" dirty="0"/>
+              <a:t>4</a:t>
+            </a:r>
+          </a:p>
+        </p:txBody>
+      </p:sp>
+      <p:sp>
+        <p:nvSpPr>
+          <p:cNvPr id="2" name="Textfeld 1">
+            <a:extLst>
+              <a:ext uri="{FF2B5EF4-FFF2-40B4-BE49-F238E27FC236}">
+                <a16:creationId xmlns:a16="http://schemas.microsoft.com/office/drawing/2014/main" id="{ED284E13-34C3-C091-06AC-8729BC0AB4A4}"/>
+              </a:ext>
+            </a:extLst>
+          </p:cNvPr>
+          <p:cNvSpPr txBox="1"/>
+          <p:nvPr/>
+        </p:nvSpPr>
+        <p:spPr>
+          <a:xfrm>
+            <a:off x="4239562" y="782764"/>
+            <a:ext cx="3712876" cy="584775"/>
+          </a:xfrm>
+          <a:prstGeom prst="rect">
+            <a:avLst/>
+          </a:prstGeom>
+          <a:noFill/>
+        </p:spPr>
+        <p:txBody>
+          <a:bodyPr wrap="none" rtlCol="0">
+            <a:spAutoFit/>
+          </a:bodyPr>
+          <a:lstStyle/>
+          <a:p>
+            <a:r>
+              <a:rPr lang="de-DE" sz="3200" b="1" spc="600" dirty="0">
+                <a:solidFill>
+                  <a:schemeClr val="tx1">
+                    <a:lumMod val="85000"/>
+                    <a:lumOff val="15000"/>
+                  </a:schemeClr>
+                </a:solidFill>
+                <a:latin typeface="Agency FB" panose="020B0503020202020204" pitchFamily="34" charset="0"/>
+              </a:rPr>
+              <a:t>DIE PROJEKTIDEE</a:t>
+            </a:r>
+          </a:p>
+        </p:txBody>
+      </p:sp>
+    </p:spTree>
+    <p:extLst>
+      <p:ext uri="{BB962C8B-B14F-4D97-AF65-F5344CB8AC3E}">
+        <p14:creationId xmlns:p14="http://schemas.microsoft.com/office/powerpoint/2010/main" val="1377968702"/>
       </p:ext>
     </p:extLst>
   </p:cSld>
